--- a/О проекте/PanzerStorm.pptx
+++ b/О проекте/PanzerStorm.pptx
@@ -10,8 +10,10 @@
     <p:sldId id="258" r:id="rId4"/>
     <p:sldId id="259" r:id="rId5"/>
     <p:sldId id="260" r:id="rId6"/>
-    <p:sldId id="261" r:id="rId7"/>
-    <p:sldId id="262" r:id="rId8"/>
+    <p:sldId id="263" r:id="rId7"/>
+    <p:sldId id="264" r:id="rId8"/>
+    <p:sldId id="261" r:id="rId9"/>
+    <p:sldId id="262" r:id="rId10"/>
   </p:sldIdLst>
   <p:sldSz cx="9144000" cy="6858000" type="screen4x3"/>
   <p:notesSz cx="6858000" cy="9144000"/>
@@ -110,6 +112,22 @@
       </a:defRPr>
     </a:lvl9pPr>
   </p:defaultTextStyle>
+  <p:extLst>
+    <p:ext uri="{EFAFB233-063F-42B5-8137-9DF3F51BA10A}">
+      <p15:sldGuideLst xmlns:p15="http://schemas.microsoft.com/office/powerpoint/2012/main">
+        <p15:guide id="1" orient="horz" pos="2160">
+          <p15:clr>
+            <a:srgbClr val="A4A3A4"/>
+          </p15:clr>
+        </p15:guide>
+        <p15:guide id="2" pos="2880">
+          <p15:clr>
+            <a:srgbClr val="A4A3A4"/>
+          </p15:clr>
+        </p15:guide>
+      </p15:sldGuideLst>
+    </p:ext>
+  </p:extLst>
 </p:presentation>
 </file>
 
@@ -143,9 +161,7 @@
         <p:spPr/>
         <p:txBody>
           <a:bodyPr/>
-          <a:lstStyle>
-            <a:extLst/>
-          </a:lstStyle>
+          <a:lstStyle/>
           <a:p>
             <a:fld id="{A673DC51-5FA2-4C21-A6B4-7967F5E7B3A6}" type="datetimeFigureOut">
               <a:rPr lang="ru-RU" smtClean="0"/>
@@ -168,9 +184,7 @@
         <p:spPr/>
         <p:txBody>
           <a:bodyPr/>
-          <a:lstStyle>
-            <a:extLst/>
-          </a:lstStyle>
+          <a:lstStyle/>
           <a:p>
             <a:endParaRPr lang="ru-RU"/>
           </a:p>
@@ -189,9 +203,7 @@
         <p:spPr/>
         <p:txBody>
           <a:bodyPr/>
-          <a:lstStyle>
-            <a:extLst/>
-          </a:lstStyle>
+          <a:lstStyle/>
           <a:p>
             <a:fld id="{D8C0A138-43F0-4F12-9A26-9C6E920B3DEF}" type="slidenum">
               <a:rPr lang="ru-RU" smtClean="0"/>
@@ -242,9 +254,7 @@
         </p:style>
         <p:txBody>
           <a:bodyPr anchor="ctr"/>
-          <a:lstStyle>
-            <a:extLst/>
-          </a:lstStyle>
+          <a:lstStyle/>
           <a:p>
             <a:pPr algn="ctr" eaLnBrk="1" latinLnBrk="0" hangingPunct="1"/>
             <a:endParaRPr kumimoji="0" lang="en-US"/>
@@ -290,9 +300,7 @@
         </p:style>
         <p:txBody>
           <a:bodyPr anchor="ctr"/>
-          <a:lstStyle>
-            <a:extLst/>
-          </a:lstStyle>
+          <a:lstStyle/>
           <a:p>
             <a:pPr algn="ctr" eaLnBrk="1" latinLnBrk="0" hangingPunct="1"/>
             <a:endParaRPr kumimoji="0" lang="en-US" dirty="0"/>
@@ -338,9 +346,7 @@
         </p:style>
         <p:txBody>
           <a:bodyPr anchor="ctr"/>
-          <a:lstStyle>
-            <a:extLst/>
-          </a:lstStyle>
+          <a:lstStyle/>
           <a:p>
             <a:pPr algn="ctr" eaLnBrk="1" latinLnBrk="0" hangingPunct="1"/>
             <a:endParaRPr kumimoji="0" lang="en-US" dirty="0"/>
@@ -386,9 +392,7 @@
         </p:style>
         <p:txBody>
           <a:bodyPr anchor="ctr"/>
-          <a:lstStyle>
-            <a:extLst/>
-          </a:lstStyle>
+          <a:lstStyle/>
           <a:p>
             <a:pPr algn="ctr" eaLnBrk="1" latinLnBrk="0" hangingPunct="1"/>
             <a:endParaRPr kumimoji="0" lang="en-US"/>
@@ -434,9 +438,7 @@
         </p:style>
         <p:txBody>
           <a:bodyPr anchor="ctr"/>
-          <a:lstStyle>
-            <a:extLst/>
-          </a:lstStyle>
+          <a:lstStyle/>
           <a:p>
             <a:pPr algn="ctr" eaLnBrk="1" latinLnBrk="0" hangingPunct="1"/>
             <a:endParaRPr kumimoji="0" lang="en-US" dirty="0"/>
@@ -586,9 +588,7 @@
         </p:style>
         <p:txBody>
           <a:bodyPr anchor="ctr"/>
-          <a:lstStyle>
-            <a:extLst/>
-          </a:lstStyle>
+          <a:lstStyle/>
           <a:p>
             <a:pPr algn="ctr" eaLnBrk="1" latinLnBrk="0" hangingPunct="1"/>
             <a:endParaRPr kumimoji="0" lang="en-US"/>
@@ -636,9 +636,7 @@
         </p:style>
         <p:txBody>
           <a:bodyPr anchor="ctr"/>
-          <a:lstStyle>
-            <a:extLst/>
-          </a:lstStyle>
+          <a:lstStyle/>
           <a:p>
             <a:pPr algn="ctr" eaLnBrk="1" latinLnBrk="0" hangingPunct="1"/>
             <a:endParaRPr kumimoji="0" lang="en-US"/>
@@ -684,9 +682,7 @@
         </p:style>
         <p:txBody>
           <a:bodyPr anchor="ctr"/>
-          <a:lstStyle>
-            <a:extLst/>
-          </a:lstStyle>
+          <a:lstStyle/>
           <a:p>
             <a:pPr algn="ctr" eaLnBrk="1" latinLnBrk="0" hangingPunct="1"/>
             <a:endParaRPr kumimoji="0" lang="en-US"/>
@@ -734,9 +730,7 @@
         </p:style>
         <p:txBody>
           <a:bodyPr anchor="ctr"/>
-          <a:lstStyle>
-            <a:extLst/>
-          </a:lstStyle>
+          <a:lstStyle/>
           <a:p>
             <a:pPr algn="ctr" eaLnBrk="1" latinLnBrk="0" hangingPunct="1"/>
             <a:endParaRPr kumimoji="0" lang="en-US" dirty="0"/>
@@ -781,9 +775,7 @@
         <p:spPr/>
         <p:txBody>
           <a:bodyPr/>
-          <a:lstStyle>
-            <a:extLst/>
-          </a:lstStyle>
+          <a:lstStyle/>
           <a:p>
             <a:r>
               <a:rPr kumimoji="0" lang="ru-RU" smtClean="0"/>
@@ -806,9 +798,7 @@
         <p:spPr/>
         <p:txBody>
           <a:bodyPr vert="eaVert"/>
-          <a:lstStyle>
-            <a:extLst/>
-          </a:lstStyle>
+          <a:lstStyle/>
           <a:p>
             <a:pPr lvl="0" eaLnBrk="1" latinLnBrk="0" hangingPunct="1"/>
             <a:r>
@@ -860,9 +850,7 @@
         <p:spPr/>
         <p:txBody>
           <a:bodyPr/>
-          <a:lstStyle>
-            <a:extLst/>
-          </a:lstStyle>
+          <a:lstStyle/>
           <a:p>
             <a:fld id="{A673DC51-5FA2-4C21-A6B4-7967F5E7B3A6}" type="datetimeFigureOut">
               <a:rPr lang="ru-RU" smtClean="0"/>
@@ -885,9 +873,7 @@
         <p:spPr/>
         <p:txBody>
           <a:bodyPr/>
-          <a:lstStyle>
-            <a:extLst/>
-          </a:lstStyle>
+          <a:lstStyle/>
           <a:p>
             <a:endParaRPr lang="ru-RU"/>
           </a:p>
@@ -906,9 +892,7 @@
         <p:spPr/>
         <p:txBody>
           <a:bodyPr/>
-          <a:lstStyle>
-            <a:extLst/>
-          </a:lstStyle>
+          <a:lstStyle/>
           <a:p>
             <a:fld id="{D8C0A138-43F0-4F12-9A26-9C6E920B3DEF}" type="slidenum">
               <a:rPr lang="ru-RU" smtClean="0"/>
@@ -961,9 +945,7 @@
         </p:spPr>
         <p:txBody>
           <a:bodyPr vert="eaVert" anchor="ctr"/>
-          <a:lstStyle>
-            <a:extLst/>
-          </a:lstStyle>
+          <a:lstStyle/>
           <a:p>
             <a:r>
               <a:rPr kumimoji="0" lang="ru-RU" smtClean="0"/>
@@ -991,9 +973,7 @@
         </p:spPr>
         <p:txBody>
           <a:bodyPr vert="eaVert"/>
-          <a:lstStyle>
-            <a:extLst/>
-          </a:lstStyle>
+          <a:lstStyle/>
           <a:p>
             <a:pPr lvl="0" eaLnBrk="1" latinLnBrk="0" hangingPunct="1"/>
             <a:r>
@@ -1045,9 +1025,7 @@
         <p:spPr/>
         <p:txBody>
           <a:bodyPr/>
-          <a:lstStyle>
-            <a:extLst/>
-          </a:lstStyle>
+          <a:lstStyle/>
           <a:p>
             <a:fld id="{A673DC51-5FA2-4C21-A6B4-7967F5E7B3A6}" type="datetimeFigureOut">
               <a:rPr lang="ru-RU" smtClean="0"/>
@@ -1070,9 +1048,7 @@
         <p:spPr/>
         <p:txBody>
           <a:bodyPr/>
-          <a:lstStyle>
-            <a:extLst/>
-          </a:lstStyle>
+          <a:lstStyle/>
           <a:p>
             <a:endParaRPr lang="ru-RU"/>
           </a:p>
@@ -1091,9 +1067,7 @@
         <p:spPr/>
         <p:txBody>
           <a:bodyPr/>
-          <a:lstStyle>
-            <a:extLst/>
-          </a:lstStyle>
+          <a:lstStyle/>
           <a:p>
             <a:fld id="{D8C0A138-43F0-4F12-9A26-9C6E920B3DEF}" type="slidenum">
               <a:rPr lang="ru-RU" smtClean="0"/>
@@ -1141,9 +1115,7 @@
         <p:spPr/>
         <p:txBody>
           <a:bodyPr/>
-          <a:lstStyle>
-            <a:extLst/>
-          </a:lstStyle>
+          <a:lstStyle/>
           <a:p>
             <a:r>
               <a:rPr kumimoji="0" lang="ru-RU" smtClean="0"/>
@@ -1166,9 +1138,7 @@
         <p:spPr/>
         <p:txBody>
           <a:bodyPr/>
-          <a:lstStyle>
-            <a:extLst/>
-          </a:lstStyle>
+          <a:lstStyle/>
           <a:p>
             <a:pPr lvl="0" eaLnBrk="1" latinLnBrk="0" hangingPunct="1"/>
             <a:r>
@@ -1220,9 +1190,7 @@
         <p:spPr/>
         <p:txBody>
           <a:bodyPr/>
-          <a:lstStyle>
-            <a:extLst/>
-          </a:lstStyle>
+          <a:lstStyle/>
           <a:p>
             <a:fld id="{A673DC51-5FA2-4C21-A6B4-7967F5E7B3A6}" type="datetimeFigureOut">
               <a:rPr lang="ru-RU" smtClean="0"/>
@@ -1245,9 +1213,7 @@
         <p:spPr/>
         <p:txBody>
           <a:bodyPr/>
-          <a:lstStyle>
-            <a:extLst/>
-          </a:lstStyle>
+          <a:lstStyle/>
           <a:p>
             <a:endParaRPr lang="ru-RU"/>
           </a:p>
@@ -1266,9 +1232,7 @@
         <p:spPr/>
         <p:txBody>
           <a:bodyPr/>
-          <a:lstStyle>
-            <a:extLst/>
-          </a:lstStyle>
+          <a:lstStyle/>
           <a:p>
             <a:fld id="{D8C0A138-43F0-4F12-9A26-9C6E920B3DEF}" type="slidenum">
               <a:rPr lang="ru-RU" smtClean="0"/>
@@ -1396,9 +1360,7 @@
         </p:spPr>
         <p:txBody>
           <a:bodyPr vert="horz" wrap="square" lIns="91440" tIns="45720" rIns="91440" bIns="45720" anchor="t" compatLnSpc="1"/>
-          <a:lstStyle>
-            <a:extLst/>
-          </a:lstStyle>
+          <a:lstStyle/>
           <a:p>
             <a:endParaRPr kumimoji="0" lang="en-US"/>
           </a:p>
@@ -1497,9 +1459,7 @@
         </p:spPr>
         <p:txBody>
           <a:bodyPr vert="horz" wrap="square" lIns="91440" tIns="45720" rIns="91440" bIns="45720" anchor="t" compatLnSpc="1"/>
-          <a:lstStyle>
-            <a:extLst/>
-          </a:lstStyle>
+          <a:lstStyle/>
           <a:p>
             <a:endParaRPr kumimoji="0" lang="en-US"/>
           </a:p>
@@ -1582,9 +1542,7 @@
         </p:spPr>
         <p:txBody>
           <a:bodyPr vert="horz" wrap="square" lIns="91440" tIns="45720" rIns="91440" bIns="45720" anchor="t" compatLnSpc="1"/>
-          <a:lstStyle>
-            <a:extLst/>
-          </a:lstStyle>
+          <a:lstStyle/>
           <a:p>
             <a:endParaRPr kumimoji="0" lang="en-US"/>
           </a:p>
@@ -1667,9 +1625,7 @@
         </p:spPr>
         <p:txBody>
           <a:bodyPr vert="horz" wrap="square" lIns="91440" tIns="45720" rIns="91440" bIns="45720" anchor="t" compatLnSpc="1"/>
-          <a:lstStyle>
-            <a:extLst/>
-          </a:lstStyle>
+          <a:lstStyle/>
           <a:p>
             <a:endParaRPr kumimoji="0" lang="en-US"/>
           </a:p>
@@ -1752,9 +1708,7 @@
         </p:spPr>
         <p:txBody>
           <a:bodyPr vert="horz" wrap="square" lIns="91440" tIns="45720" rIns="91440" bIns="45720" anchor="t" compatLnSpc="1"/>
-          <a:lstStyle>
-            <a:extLst/>
-          </a:lstStyle>
+          <a:lstStyle/>
           <a:p>
             <a:endParaRPr kumimoji="0" lang="en-US"/>
           </a:p>
@@ -1837,9 +1791,7 @@
         </p:spPr>
         <p:txBody>
           <a:bodyPr vert="horz" wrap="square" lIns="91440" tIns="45720" rIns="91440" bIns="45720" anchor="t" compatLnSpc="1"/>
-          <a:lstStyle>
-            <a:extLst/>
-          </a:lstStyle>
+          <a:lstStyle/>
           <a:p>
             <a:endParaRPr kumimoji="0" lang="en-US"/>
           </a:p>
@@ -1922,9 +1874,7 @@
         </p:spPr>
         <p:txBody>
           <a:bodyPr vert="horz" wrap="square" lIns="91440" tIns="45720" rIns="91440" bIns="45720" anchor="t" compatLnSpc="1"/>
-          <a:lstStyle>
-            <a:extLst/>
-          </a:lstStyle>
+          <a:lstStyle/>
           <a:p>
             <a:endParaRPr kumimoji="0" lang="en-US"/>
           </a:p>
@@ -2007,9 +1957,7 @@
         </p:spPr>
         <p:txBody>
           <a:bodyPr vert="horz" wrap="square" lIns="91440" tIns="45720" rIns="91440" bIns="45720" anchor="t" compatLnSpc="1"/>
-          <a:lstStyle>
-            <a:extLst/>
-          </a:lstStyle>
+          <a:lstStyle/>
           <a:p>
             <a:endParaRPr kumimoji="0" lang="en-US"/>
           </a:p>
@@ -2092,9 +2040,7 @@
         </p:spPr>
         <p:txBody>
           <a:bodyPr vert="horz" wrap="square" lIns="91440" tIns="45720" rIns="91440" bIns="45720" anchor="t" compatLnSpc="1"/>
-          <a:lstStyle>
-            <a:extLst/>
-          </a:lstStyle>
+          <a:lstStyle/>
           <a:p>
             <a:endParaRPr kumimoji="0" lang="en-US"/>
           </a:p>
@@ -2177,9 +2123,7 @@
         </p:spPr>
         <p:txBody>
           <a:bodyPr vert="horz" wrap="square" lIns="91440" tIns="45720" rIns="91440" bIns="45720" anchor="t" compatLnSpc="1"/>
-          <a:lstStyle>
-            <a:extLst/>
-          </a:lstStyle>
+          <a:lstStyle/>
           <a:p>
             <a:endParaRPr kumimoji="0" lang="en-US"/>
           </a:p>
@@ -2262,9 +2206,7 @@
         </p:spPr>
         <p:txBody>
           <a:bodyPr vert="horz" wrap="square" lIns="91440" tIns="45720" rIns="91440" bIns="45720" anchor="t" compatLnSpc="1"/>
-          <a:lstStyle>
-            <a:extLst/>
-          </a:lstStyle>
+          <a:lstStyle/>
           <a:p>
             <a:endParaRPr kumimoji="0" lang="en-US"/>
           </a:p>
@@ -2347,9 +2289,7 @@
         </p:spPr>
         <p:txBody>
           <a:bodyPr vert="horz" wrap="square" lIns="91440" tIns="45720" rIns="91440" bIns="45720" anchor="t" compatLnSpc="1"/>
-          <a:lstStyle>
-            <a:extLst/>
-          </a:lstStyle>
+          <a:lstStyle/>
           <a:p>
             <a:endParaRPr kumimoji="0" lang="en-US"/>
           </a:p>
@@ -2432,9 +2372,7 @@
         </p:spPr>
         <p:txBody>
           <a:bodyPr vert="horz" wrap="square" lIns="91440" tIns="45720" rIns="91440" bIns="45720" anchor="t" compatLnSpc="1"/>
-          <a:lstStyle>
-            <a:extLst/>
-          </a:lstStyle>
+          <a:lstStyle/>
           <a:p>
             <a:endParaRPr kumimoji="0" lang="en-US"/>
           </a:p>
@@ -2517,9 +2455,7 @@
         </p:spPr>
         <p:txBody>
           <a:bodyPr vert="horz" wrap="square" lIns="91440" tIns="45720" rIns="91440" bIns="45720" anchor="t" compatLnSpc="1"/>
-          <a:lstStyle>
-            <a:extLst/>
-          </a:lstStyle>
+          <a:lstStyle/>
           <a:p>
             <a:endParaRPr kumimoji="0" lang="en-US"/>
           </a:p>
@@ -2602,9 +2538,7 @@
         </p:spPr>
         <p:txBody>
           <a:bodyPr vert="horz" wrap="square" lIns="91440" tIns="45720" rIns="91440" bIns="45720" anchor="t" compatLnSpc="1"/>
-          <a:lstStyle>
-            <a:extLst/>
-          </a:lstStyle>
+          <a:lstStyle/>
           <a:p>
             <a:endParaRPr kumimoji="0" lang="en-US"/>
           </a:p>
@@ -2703,9 +2637,7 @@
         <p:spPr/>
         <p:txBody>
           <a:bodyPr/>
-          <a:lstStyle>
-            <a:extLst/>
-          </a:lstStyle>
+          <a:lstStyle/>
           <a:p>
             <a:fld id="{A673DC51-5FA2-4C21-A6B4-7967F5E7B3A6}" type="datetimeFigureOut">
               <a:rPr lang="ru-RU" smtClean="0"/>
@@ -2728,9 +2660,7 @@
         <p:spPr/>
         <p:txBody>
           <a:bodyPr/>
-          <a:lstStyle>
-            <a:extLst/>
-          </a:lstStyle>
+          <a:lstStyle/>
           <a:p>
             <a:endParaRPr lang="ru-RU"/>
           </a:p>
@@ -2749,9 +2679,7 @@
         <p:spPr/>
         <p:txBody>
           <a:bodyPr/>
-          <a:lstStyle>
-            <a:extLst/>
-          </a:lstStyle>
+          <a:lstStyle/>
           <a:p>
             <a:fld id="{D8C0A138-43F0-4F12-9A26-9C6E920B3DEF}" type="slidenum">
               <a:rPr lang="ru-RU" smtClean="0"/>
@@ -2804,9 +2732,7 @@
         </p:style>
         <p:txBody>
           <a:bodyPr anchor="ctr"/>
-          <a:lstStyle>
-            <a:extLst/>
-          </a:lstStyle>
+          <a:lstStyle/>
           <a:p>
             <a:pPr algn="ctr" eaLnBrk="1" latinLnBrk="0" hangingPunct="1"/>
             <a:endParaRPr kumimoji="0" lang="en-US"/>
@@ -2886,9 +2812,7 @@
         </p:style>
         <p:txBody>
           <a:bodyPr anchor="ctr"/>
-          <a:lstStyle>
-            <a:extLst/>
-          </a:lstStyle>
+          <a:lstStyle/>
           <a:p>
             <a:pPr algn="ctr" eaLnBrk="1" latinLnBrk="0" hangingPunct="1"/>
             <a:endParaRPr kumimoji="0" lang="en-US" dirty="0"/>
@@ -2934,9 +2858,7 @@
         </p:style>
         <p:txBody>
           <a:bodyPr anchor="ctr"/>
-          <a:lstStyle>
-            <a:extLst/>
-          </a:lstStyle>
+          <a:lstStyle/>
           <a:p>
             <a:pPr algn="ctr" eaLnBrk="1" latinLnBrk="0" hangingPunct="1"/>
             <a:endParaRPr kumimoji="0" lang="en-US" dirty="0"/>
@@ -2982,9 +2904,7 @@
         </p:style>
         <p:txBody>
           <a:bodyPr anchor="ctr"/>
-          <a:lstStyle>
-            <a:extLst/>
-          </a:lstStyle>
+          <a:lstStyle/>
           <a:p>
             <a:pPr algn="ctr" eaLnBrk="1" latinLnBrk="0" hangingPunct="1"/>
             <a:endParaRPr kumimoji="0" lang="en-US"/>
@@ -3030,9 +2950,7 @@
         </p:style>
         <p:txBody>
           <a:bodyPr anchor="ctr"/>
-          <a:lstStyle>
-            <a:extLst/>
-          </a:lstStyle>
+          <a:lstStyle/>
           <a:p>
             <a:pPr algn="ctr" eaLnBrk="1" latinLnBrk="0" hangingPunct="1"/>
             <a:endParaRPr kumimoji="0" lang="en-US" dirty="0"/>
@@ -3078,9 +2996,7 @@
         </p:style>
         <p:txBody>
           <a:bodyPr anchor="ctr"/>
-          <a:lstStyle>
-            <a:extLst/>
-          </a:lstStyle>
+          <a:lstStyle/>
           <a:p>
             <a:pPr algn="ctr" eaLnBrk="1" latinLnBrk="0" hangingPunct="1"/>
             <a:endParaRPr kumimoji="0" lang="en-US" dirty="0"/>
@@ -3130,9 +3046,7 @@
         </p:spPr>
         <p:txBody>
           <a:bodyPr/>
-          <a:lstStyle>
-            <a:extLst/>
-          </a:lstStyle>
+          <a:lstStyle/>
           <a:p>
             <a:r>
               <a:rPr kumimoji="0" lang="ru-RU" smtClean="0"/>
@@ -3303,9 +3217,7 @@
         <p:spPr/>
         <p:txBody>
           <a:bodyPr/>
-          <a:lstStyle>
-            <a:extLst/>
-          </a:lstStyle>
+          <a:lstStyle/>
           <a:p>
             <a:fld id="{A673DC51-5FA2-4C21-A6B4-7967F5E7B3A6}" type="datetimeFigureOut">
               <a:rPr lang="ru-RU" smtClean="0"/>
@@ -3328,9 +3240,7 @@
         <p:spPr/>
         <p:txBody>
           <a:bodyPr/>
-          <a:lstStyle>
-            <a:extLst/>
-          </a:lstStyle>
+          <a:lstStyle/>
           <a:p>
             <a:endParaRPr lang="ru-RU"/>
           </a:p>
@@ -3349,9 +3259,7 @@
         <p:spPr/>
         <p:txBody>
           <a:bodyPr/>
-          <a:lstStyle>
-            <a:extLst/>
-          </a:lstStyle>
+          <a:lstStyle/>
           <a:p>
             <a:fld id="{D8C0A138-43F0-4F12-9A26-9C6E920B3DEF}" type="slidenum">
               <a:rPr lang="ru-RU" smtClean="0"/>
@@ -3429,9 +3337,7 @@
         </p:style>
         <p:txBody>
           <a:bodyPr anchor="ctr"/>
-          <a:lstStyle>
-            <a:extLst/>
-          </a:lstStyle>
+          <a:lstStyle/>
           <a:p>
             <a:pPr algn="ctr" eaLnBrk="1" latinLnBrk="0" hangingPunct="1"/>
             <a:endParaRPr kumimoji="0" lang="en-US"/>
@@ -3740,9 +3646,7 @@
         <p:spPr/>
         <p:txBody>
           <a:bodyPr/>
-          <a:lstStyle>
-            <a:extLst/>
-          </a:lstStyle>
+          <a:lstStyle/>
           <a:p>
             <a:fld id="{A673DC51-5FA2-4C21-A6B4-7967F5E7B3A6}" type="datetimeFigureOut">
               <a:rPr lang="ru-RU" smtClean="0"/>
@@ -3765,9 +3669,7 @@
         <p:spPr/>
         <p:txBody>
           <a:bodyPr/>
-          <a:lstStyle>
-            <a:extLst/>
-          </a:lstStyle>
+          <a:lstStyle/>
           <a:p>
             <a:endParaRPr lang="ru-RU"/>
           </a:p>
@@ -3786,9 +3688,7 @@
         <p:spPr/>
         <p:txBody>
           <a:bodyPr/>
-          <a:lstStyle>
-            <a:extLst/>
-          </a:lstStyle>
+          <a:lstStyle/>
           <a:p>
             <a:fld id="{D8C0A138-43F0-4F12-9A26-9C6E920B3DEF}" type="slidenum">
               <a:rPr lang="ru-RU" smtClean="0"/>
@@ -3837,9 +3737,7 @@
         </p:style>
         <p:txBody>
           <a:bodyPr anchor="ctr"/>
-          <a:lstStyle>
-            <a:extLst/>
-          </a:lstStyle>
+          <a:lstStyle/>
           <a:p>
             <a:pPr algn="ctr" eaLnBrk="1" latinLnBrk="0" hangingPunct="1"/>
             <a:endParaRPr kumimoji="0" lang="en-US" dirty="0"/>
@@ -3885,9 +3783,7 @@
         </p:style>
         <p:txBody>
           <a:bodyPr anchor="ctr"/>
-          <a:lstStyle>
-            <a:extLst/>
-          </a:lstStyle>
+          <a:lstStyle/>
           <a:p>
             <a:pPr algn="ctr" eaLnBrk="1" latinLnBrk="0" hangingPunct="1"/>
             <a:endParaRPr kumimoji="0" lang="en-US" dirty="0"/>
@@ -3933,9 +3829,7 @@
         </p:style>
         <p:txBody>
           <a:bodyPr anchor="ctr"/>
-          <a:lstStyle>
-            <a:extLst/>
-          </a:lstStyle>
+          <a:lstStyle/>
           <a:p>
             <a:pPr algn="ctr" eaLnBrk="1" latinLnBrk="0" hangingPunct="1"/>
             <a:endParaRPr kumimoji="0" lang="en-US"/>
@@ -3981,9 +3875,7 @@
         </p:style>
         <p:txBody>
           <a:bodyPr anchor="ctr"/>
-          <a:lstStyle>
-            <a:extLst/>
-          </a:lstStyle>
+          <a:lstStyle/>
           <a:p>
             <a:pPr algn="ctr" eaLnBrk="1" latinLnBrk="0" hangingPunct="1"/>
             <a:endParaRPr kumimoji="0" lang="en-US" dirty="0"/>
@@ -4029,9 +3921,7 @@
         </p:style>
         <p:txBody>
           <a:bodyPr anchor="ctr"/>
-          <a:lstStyle>
-            <a:extLst/>
-          </a:lstStyle>
+          <a:lstStyle/>
           <a:p>
             <a:pPr algn="ctr" eaLnBrk="1" latinLnBrk="0" hangingPunct="1"/>
             <a:endParaRPr kumimoji="0" lang="en-US" dirty="0"/>
@@ -4077,9 +3967,7 @@
         </p:style>
         <p:txBody>
           <a:bodyPr anchor="ctr"/>
-          <a:lstStyle>
-            <a:extLst/>
-          </a:lstStyle>
+          <a:lstStyle/>
           <a:p>
             <a:pPr algn="ctr" eaLnBrk="1" latinLnBrk="0" hangingPunct="1"/>
             <a:endParaRPr kumimoji="0" lang="en-US" dirty="0"/>
@@ -4125,9 +4013,7 @@
         </p:style>
         <p:txBody>
           <a:bodyPr anchor="ctr"/>
-          <a:lstStyle>
-            <a:extLst/>
-          </a:lstStyle>
+          <a:lstStyle/>
           <a:p>
             <a:pPr algn="ctr" eaLnBrk="1" latinLnBrk="0" hangingPunct="1"/>
             <a:endParaRPr kumimoji="0" lang="en-US"/>
@@ -4173,9 +4059,7 @@
         </p:style>
         <p:txBody>
           <a:bodyPr anchor="ctr"/>
-          <a:lstStyle>
-            <a:extLst/>
-          </a:lstStyle>
+          <a:lstStyle/>
           <a:p>
             <a:pPr algn="ctr" eaLnBrk="1" latinLnBrk="0" hangingPunct="1"/>
             <a:endParaRPr kumimoji="0" lang="en-US" dirty="0"/>
@@ -4221,9 +4105,7 @@
         </p:style>
         <p:txBody>
           <a:bodyPr anchor="ctr"/>
-          <a:lstStyle>
-            <a:extLst/>
-          </a:lstStyle>
+          <a:lstStyle/>
           <a:p>
             <a:pPr algn="ctr" eaLnBrk="1" latinLnBrk="0" hangingPunct="1"/>
             <a:endParaRPr kumimoji="0" lang="en-US" dirty="0"/>
@@ -4301,9 +4183,7 @@
         <p:spPr/>
         <p:txBody>
           <a:bodyPr/>
-          <a:lstStyle>
-            <a:extLst/>
-          </a:lstStyle>
+          <a:lstStyle/>
           <a:p>
             <a:fld id="{A673DC51-5FA2-4C21-A6B4-7967F5E7B3A6}" type="datetimeFigureOut">
               <a:rPr lang="ru-RU" smtClean="0"/>
@@ -4326,9 +4206,7 @@
         <p:spPr/>
         <p:txBody>
           <a:bodyPr/>
-          <a:lstStyle>
-            <a:extLst/>
-          </a:lstStyle>
+          <a:lstStyle/>
           <a:p>
             <a:endParaRPr lang="ru-RU"/>
           </a:p>
@@ -4347,9 +4225,7 @@
         <p:spPr/>
         <p:txBody>
           <a:bodyPr/>
-          <a:lstStyle>
-            <a:extLst/>
-          </a:lstStyle>
+          <a:lstStyle/>
           <a:p>
             <a:fld id="{D8C0A138-43F0-4F12-9A26-9C6E920B3DEF}" type="slidenum">
               <a:rPr lang="ru-RU" smtClean="0"/>
@@ -4397,9 +4273,7 @@
         <p:spPr/>
         <p:txBody>
           <a:bodyPr/>
-          <a:lstStyle>
-            <a:extLst/>
-          </a:lstStyle>
+          <a:lstStyle/>
           <a:p>
             <a:fld id="{A673DC51-5FA2-4C21-A6B4-7967F5E7B3A6}" type="datetimeFigureOut">
               <a:rPr lang="ru-RU" smtClean="0"/>
@@ -4422,9 +4296,7 @@
         <p:spPr/>
         <p:txBody>
           <a:bodyPr/>
-          <a:lstStyle>
-            <a:extLst/>
-          </a:lstStyle>
+          <a:lstStyle/>
           <a:p>
             <a:endParaRPr lang="ru-RU"/>
           </a:p>
@@ -4443,9 +4315,7 @@
         <p:spPr/>
         <p:txBody>
           <a:bodyPr/>
-          <a:lstStyle>
-            <a:extLst/>
-          </a:lstStyle>
+          <a:lstStyle/>
           <a:p>
             <a:fld id="{D8C0A138-43F0-4F12-9A26-9C6E920B3DEF}" type="slidenum">
               <a:rPr lang="ru-RU" smtClean="0"/>
@@ -4651,9 +4521,7 @@
         <p:spPr/>
         <p:txBody>
           <a:bodyPr/>
-          <a:lstStyle>
-            <a:extLst/>
-          </a:lstStyle>
+          <a:lstStyle/>
           <a:p>
             <a:fld id="{A673DC51-5FA2-4C21-A6B4-7967F5E7B3A6}" type="datetimeFigureOut">
               <a:rPr lang="ru-RU" smtClean="0"/>
@@ -4676,9 +4544,7 @@
         <p:spPr/>
         <p:txBody>
           <a:bodyPr/>
-          <a:lstStyle>
-            <a:extLst/>
-          </a:lstStyle>
+          <a:lstStyle/>
           <a:p>
             <a:endParaRPr lang="ru-RU"/>
           </a:p>
@@ -4697,9 +4563,7 @@
         <p:spPr/>
         <p:txBody>
           <a:bodyPr/>
-          <a:lstStyle>
-            <a:extLst/>
-          </a:lstStyle>
+          <a:lstStyle/>
           <a:p>
             <a:fld id="{D8C0A138-43F0-4F12-9A26-9C6E920B3DEF}" type="slidenum">
               <a:rPr lang="ru-RU" smtClean="0"/>
@@ -4775,9 +4639,7 @@
         </p:style>
         <p:txBody>
           <a:bodyPr anchor="ctr"/>
-          <a:lstStyle>
-            <a:extLst/>
-          </a:lstStyle>
+          <a:lstStyle/>
           <a:p>
             <a:pPr algn="ctr" eaLnBrk="1" latinLnBrk="0" hangingPunct="1"/>
             <a:endParaRPr kumimoji="0" lang="en-US"/>
@@ -5372,9 +5234,7 @@
         </p:spPr>
         <p:txBody>
           <a:bodyPr/>
-          <a:lstStyle>
-            <a:extLst/>
-          </a:lstStyle>
+          <a:lstStyle/>
           <a:p>
             <a:fld id="{A673DC51-5FA2-4C21-A6B4-7967F5E7B3A6}" type="datetimeFigureOut">
               <a:rPr lang="ru-RU" smtClean="0"/>
@@ -5402,9 +5262,7 @@
         </p:spPr>
         <p:txBody>
           <a:bodyPr/>
-          <a:lstStyle>
-            <a:extLst/>
-          </a:lstStyle>
+          <a:lstStyle/>
           <a:p>
             <a:endParaRPr lang="ru-RU"/>
           </a:p>
@@ -5428,9 +5286,7 @@
         </p:spPr>
         <p:txBody>
           <a:bodyPr/>
-          <a:lstStyle>
-            <a:extLst/>
-          </a:lstStyle>
+          <a:lstStyle/>
           <a:p>
             <a:fld id="{D8C0A138-43F0-4F12-9A26-9C6E920B3DEF}" type="slidenum">
               <a:rPr lang="ru-RU" smtClean="0"/>
@@ -5511,9 +5367,7 @@
         </p:style>
         <p:txBody>
           <a:bodyPr anchor="ctr"/>
-          <a:lstStyle>
-            <a:extLst/>
-          </a:lstStyle>
+          <a:lstStyle/>
           <a:p>
             <a:pPr algn="ctr" eaLnBrk="1" latinLnBrk="0" hangingPunct="1"/>
             <a:endParaRPr kumimoji="0" lang="en-US"/>
@@ -5561,9 +5415,7 @@
         </p:style>
         <p:txBody>
           <a:bodyPr anchor="ctr"/>
-          <a:lstStyle>
-            <a:extLst/>
-          </a:lstStyle>
+          <a:lstStyle/>
           <a:p>
             <a:pPr algn="ctr" eaLnBrk="1" latinLnBrk="0" hangingPunct="1"/>
             <a:endParaRPr kumimoji="0" lang="en-US"/>
@@ -5611,9 +5463,7 @@
         </p:style>
         <p:txBody>
           <a:bodyPr anchor="ctr"/>
-          <a:lstStyle>
-            <a:extLst/>
-          </a:lstStyle>
+          <a:lstStyle/>
           <a:p>
             <a:pPr algn="ctr" eaLnBrk="1" latinLnBrk="0" hangingPunct="1"/>
             <a:endParaRPr kumimoji="0" lang="en-US"/>
@@ -5659,9 +5509,7 @@
         </p:style>
         <p:txBody>
           <a:bodyPr anchor="ctr"/>
-          <a:lstStyle>
-            <a:extLst/>
-          </a:lstStyle>
+          <a:lstStyle/>
           <a:p>
             <a:pPr algn="ctr" eaLnBrk="1" latinLnBrk="0" hangingPunct="1"/>
             <a:endParaRPr kumimoji="0" lang="en-US"/>
@@ -5709,9 +5557,7 @@
         </p:style>
         <p:txBody>
           <a:bodyPr anchor="ctr"/>
-          <a:lstStyle>
-            <a:extLst/>
-          </a:lstStyle>
+          <a:lstStyle/>
           <a:p>
             <a:pPr algn="ctr" eaLnBrk="1" latinLnBrk="0" hangingPunct="1"/>
             <a:endParaRPr kumimoji="0" lang="en-US" dirty="0"/>
@@ -5759,9 +5605,7 @@
         </p:style>
         <p:txBody>
           <a:bodyPr anchor="ctr"/>
-          <a:lstStyle>
-            <a:extLst/>
-          </a:lstStyle>
+          <a:lstStyle/>
           <a:p>
             <a:pPr algn="ctr" eaLnBrk="1" latinLnBrk="0" hangingPunct="1"/>
             <a:endParaRPr kumimoji="0" lang="en-US" dirty="0"/>
@@ -5809,9 +5653,7 @@
         </p:style>
         <p:txBody>
           <a:bodyPr anchor="ctr"/>
-          <a:lstStyle>
-            <a:extLst/>
-          </a:lstStyle>
+          <a:lstStyle/>
           <a:p>
             <a:pPr algn="ctr" eaLnBrk="1" latinLnBrk="0" hangingPunct="1"/>
             <a:endParaRPr kumimoji="0" lang="en-US" dirty="0"/>
@@ -5859,9 +5701,7 @@
         </p:style>
         <p:txBody>
           <a:bodyPr anchor="ctr"/>
-          <a:lstStyle>
-            <a:extLst/>
-          </a:lstStyle>
+          <a:lstStyle/>
           <a:p>
             <a:pPr algn="ctr" eaLnBrk="1" latinLnBrk="0" hangingPunct="1"/>
             <a:endParaRPr kumimoji="0" lang="en-US"/>
@@ -5909,9 +5749,7 @@
         </p:style>
         <p:txBody>
           <a:bodyPr anchor="ctr"/>
-          <a:lstStyle>
-            <a:extLst/>
-          </a:lstStyle>
+          <a:lstStyle/>
           <a:p>
             <a:pPr algn="ctr" eaLnBrk="1" latinLnBrk="0" hangingPunct="1"/>
             <a:endParaRPr kumimoji="0" lang="en-US" dirty="0"/>
@@ -5941,9 +5779,7 @@
           <a:bodyPr vert="horz" anchor="t">
             <a:noAutofit/>
           </a:bodyPr>
-          <a:lstStyle>
-            <a:extLst/>
-          </a:lstStyle>
+          <a:lstStyle/>
           <a:p>
             <a:r>
               <a:rPr kumimoji="0" lang="ru-RU" smtClean="0"/>
@@ -5976,9 +5812,7 @@
           <a:bodyPr vert="horz">
             <a:normAutofit/>
           </a:bodyPr>
-          <a:lstStyle>
-            <a:extLst/>
-          </a:lstStyle>
+          <a:lstStyle/>
           <a:p>
             <a:pPr lvl="0" eaLnBrk="1" latinLnBrk="0" hangingPunct="1"/>
             <a:r>
@@ -6460,16 +6294,22 @@
             <p:ph type="ctrTitle"/>
           </p:nvPr>
         </p:nvSpPr>
-        <p:spPr/>
+        <p:spPr>
+          <a:xfrm>
+            <a:off x="947401" y="1412776"/>
+            <a:ext cx="7772400" cy="1975104"/>
+          </a:xfrm>
+        </p:spPr>
         <p:txBody>
           <a:bodyPr/>
           <a:lstStyle/>
           <a:p>
-            <a:r>
-              <a:rPr lang="en-US" dirty="0" err="1" smtClean="0"/>
+            <a:pPr algn="ctr"/>
+            <a:r>
+              <a:rPr lang="en-US" sz="5400" dirty="0" err="1" smtClean="0"/>
               <a:t>PanzerStorm</a:t>
             </a:r>
-            <a:endParaRPr lang="ru-RU" dirty="0"/>
+            <a:endParaRPr lang="ru-RU" sz="5400" dirty="0"/>
           </a:p>
         </p:txBody>
       </p:sp>
@@ -6510,11 +6350,7 @@
             </a:r>
             <a:r>
               <a:rPr lang="ru-RU" dirty="0" smtClean="0"/>
-              <a:t>Альбер</a:t>
-            </a:r>
-            <a:r>
-              <a:rPr lang="ru-RU" dirty="0" smtClean="0"/>
-              <a:t>т</a:t>
+              <a:t>Альберт</a:t>
             </a:r>
             <a:endParaRPr lang="ru-RU" dirty="0"/>
           </a:p>
@@ -7071,30 +6907,34 @@
           <a:lstStyle/>
           <a:p>
             <a:r>
-              <a:rPr lang="ru-RU" sz="2800" dirty="0" smtClean="0"/>
+              <a:rPr lang="ru-RU" sz="3200" dirty="0" smtClean="0"/>
               <a:t>Использовались</a:t>
             </a:r>
             <a:r>
-              <a:rPr lang="en-US" sz="2800" dirty="0" smtClean="0"/>
+              <a:rPr lang="en-US" sz="3200" dirty="0" smtClean="0"/>
               <a:t>:</a:t>
             </a:r>
             <a:br>
-              <a:rPr lang="en-US" sz="2800" dirty="0" smtClean="0"/>
+              <a:rPr lang="en-US" sz="3200" dirty="0" smtClean="0"/>
             </a:br>
             <a:r>
-              <a:rPr lang="en-US" sz="2800" dirty="0" err="1" smtClean="0"/>
+              <a:rPr lang="en-US" sz="3200" dirty="0" err="1" smtClean="0"/>
               <a:t>PyCharm</a:t>
+            </a:r>
+            <a:r>
+              <a:rPr lang="en-US" sz="3200" dirty="0" smtClean="0"/>
+              <a:t/>
+            </a:r>
+            <a:br>
+              <a:rPr lang="en-US" sz="3200" dirty="0" smtClean="0"/>
+            </a:br>
+            <a:r>
+              <a:rPr lang="en-US" sz="3200" dirty="0" smtClean="0"/>
+              <a:t>Python 3</a:t>
             </a:r>
             <a:r>
               <a:rPr lang="en-US" sz="2800" dirty="0" smtClean="0"/>
               <a:t/>
-            </a:r>
-            <a:br>
-              <a:rPr lang="en-US" sz="2800" dirty="0" smtClean="0"/>
-            </a:br>
-            <a:r>
-              <a:rPr lang="en-US" sz="2800" dirty="0" smtClean="0"/>
-              <a:t>Python 3</a:t>
             </a:r>
             <a:br>
               <a:rPr lang="en-US" sz="2800" dirty="0" smtClean="0"/>
@@ -7202,6 +7042,367 @@
             <a:spLocks noGrp="1"/>
           </p:cNvSpPr>
           <p:nvPr>
+            <p:ph type="ctrTitle"/>
+          </p:nvPr>
+        </p:nvSpPr>
+        <p:spPr>
+          <a:xfrm>
+            <a:off x="914400" y="548680"/>
+            <a:ext cx="7772400" cy="1975104"/>
+          </a:xfrm>
+        </p:spPr>
+        <p:txBody>
+          <a:bodyPr/>
+          <a:lstStyle/>
+          <a:p>
+            <a:pPr algn="ctr"/>
+            <a:r>
+              <a:rPr lang="ru-RU" sz="4800" dirty="0" smtClean="0"/>
+              <a:t>Игровой процесс</a:t>
+            </a:r>
+            <a:endParaRPr lang="ru-RU" sz="4800" dirty="0"/>
+          </a:p>
+        </p:txBody>
+      </p:sp>
+      <p:sp>
+        <p:nvSpPr>
+          <p:cNvPr id="3" name="Подзаголовок 2"/>
+          <p:cNvSpPr>
+            <a:spLocks noGrp="1"/>
+          </p:cNvSpPr>
+          <p:nvPr>
+            <p:ph type="subTitle" idx="1"/>
+          </p:nvPr>
+        </p:nvSpPr>
+        <p:spPr>
+          <a:xfrm>
+            <a:off x="914400" y="1772816"/>
+            <a:ext cx="7772400" cy="3456384"/>
+          </a:xfrm>
+        </p:spPr>
+        <p:txBody>
+          <a:bodyPr>
+            <a:noAutofit/>
+          </a:bodyPr>
+          <a:lstStyle/>
+          <a:p>
+            <a:r>
+              <a:rPr lang="ru-RU" sz="2800" dirty="0" smtClean="0"/>
+              <a:t>Управление</a:t>
+            </a:r>
+            <a:r>
+              <a:rPr lang="en-US" sz="2800" dirty="0" smtClean="0"/>
+              <a:t>:</a:t>
+            </a:r>
+          </a:p>
+          <a:p>
+            <a:r>
+              <a:rPr lang="ru-RU" sz="2800" dirty="0" smtClean="0"/>
+              <a:t>1-й игрок</a:t>
+            </a:r>
+            <a:r>
+              <a:rPr lang="en-US" sz="2800" dirty="0" smtClean="0"/>
+              <a:t>: </a:t>
+            </a:r>
+            <a:endParaRPr lang="ru-RU" sz="2800" dirty="0" smtClean="0"/>
+          </a:p>
+          <a:p>
+            <a:r>
+              <a:rPr lang="en-US" sz="2800" dirty="0" smtClean="0"/>
+              <a:t>«W», «A», «S», «D» - </a:t>
+            </a:r>
+            <a:r>
+              <a:rPr lang="ru-RU" sz="2800" dirty="0" smtClean="0"/>
+              <a:t>Движение</a:t>
+            </a:r>
+            <a:r>
+              <a:rPr lang="en-US" sz="2800" dirty="0" smtClean="0"/>
+              <a:t>;</a:t>
+            </a:r>
+            <a:endParaRPr lang="ru-RU" sz="2800" dirty="0" smtClean="0"/>
+          </a:p>
+          <a:p>
+            <a:r>
+              <a:rPr lang="en-US" sz="2800" dirty="0" smtClean="0"/>
+              <a:t>«Space»(«</a:t>
+            </a:r>
+            <a:r>
+              <a:rPr lang="ru-RU" sz="2800" dirty="0" smtClean="0"/>
+              <a:t>Пробел</a:t>
+            </a:r>
+            <a:r>
+              <a:rPr lang="en-US" sz="2800" dirty="0" smtClean="0"/>
+              <a:t>»</a:t>
+            </a:r>
+            <a:r>
+              <a:rPr lang="ru-RU" sz="2800" dirty="0" smtClean="0"/>
+              <a:t>)</a:t>
+            </a:r>
+            <a:r>
+              <a:rPr lang="en-US" sz="2800" dirty="0" smtClean="0"/>
+              <a:t> </a:t>
+            </a:r>
+            <a:r>
+              <a:rPr lang="ru-RU" sz="2800" dirty="0" smtClean="0"/>
+              <a:t>- выстрел</a:t>
+            </a:r>
+            <a:r>
+              <a:rPr lang="en-US" sz="2800" dirty="0" smtClean="0"/>
+              <a:t>;</a:t>
+            </a:r>
+          </a:p>
+          <a:p>
+            <a:r>
+              <a:rPr lang="ru-RU" sz="2800" dirty="0" smtClean="0"/>
+              <a:t>2-й игрок</a:t>
+            </a:r>
+            <a:r>
+              <a:rPr lang="en-US" sz="2800" dirty="0" smtClean="0"/>
+              <a:t>:</a:t>
+            </a:r>
+          </a:p>
+          <a:p>
+            <a:r>
+              <a:rPr lang="en-US" sz="2800" dirty="0" smtClean="0"/>
+              <a:t>«</a:t>
+            </a:r>
+            <a:r>
+              <a:rPr lang="ru-RU" sz="2800" dirty="0" smtClean="0"/>
+              <a:t>Стрела вверх</a:t>
+            </a:r>
+            <a:r>
+              <a:rPr lang="en-US" sz="2800" dirty="0" smtClean="0"/>
+              <a:t>», «</a:t>
+            </a:r>
+            <a:r>
+              <a:rPr lang="ru-RU" sz="2800" dirty="0" smtClean="0"/>
+              <a:t>Стрела влево</a:t>
+            </a:r>
+            <a:r>
+              <a:rPr lang="en-US" sz="2800" dirty="0" smtClean="0"/>
+              <a:t>», «</a:t>
+            </a:r>
+            <a:r>
+              <a:rPr lang="ru-RU" sz="2800" dirty="0" smtClean="0"/>
+              <a:t>Стрела вниз</a:t>
+            </a:r>
+            <a:r>
+              <a:rPr lang="en-US" sz="2800" dirty="0" smtClean="0"/>
+              <a:t>», «</a:t>
+            </a:r>
+            <a:r>
+              <a:rPr lang="ru-RU" sz="2800" dirty="0" smtClean="0"/>
+              <a:t>Стрела вправо</a:t>
+            </a:r>
+            <a:r>
+              <a:rPr lang="en-US" sz="2800" dirty="0" smtClean="0"/>
+              <a:t>» </a:t>
+            </a:r>
+            <a:r>
+              <a:rPr lang="en-US" sz="2800" dirty="0"/>
+              <a:t>- </a:t>
+            </a:r>
+            <a:r>
+              <a:rPr lang="ru-RU" sz="2800" dirty="0"/>
+              <a:t>Движение</a:t>
+            </a:r>
+            <a:r>
+              <a:rPr lang="en-US" sz="2800" dirty="0"/>
+              <a:t>;</a:t>
+            </a:r>
+            <a:endParaRPr lang="ru-RU" sz="2800" dirty="0"/>
+          </a:p>
+          <a:p>
+            <a:r>
+              <a:rPr lang="en-US" sz="2800" dirty="0" smtClean="0"/>
+              <a:t>«Enter» </a:t>
+            </a:r>
+            <a:r>
+              <a:rPr lang="ru-RU" sz="2800" dirty="0" smtClean="0"/>
+              <a:t>- </a:t>
+            </a:r>
+            <a:r>
+              <a:rPr lang="ru-RU" sz="2800" dirty="0"/>
+              <a:t>выстрел</a:t>
+            </a:r>
+            <a:r>
+              <a:rPr lang="en-US" sz="2800" dirty="0" smtClean="0"/>
+              <a:t>;</a:t>
+            </a:r>
+          </a:p>
+          <a:p>
+            <a:endParaRPr lang="ru-RU" sz="2800" dirty="0"/>
+          </a:p>
+        </p:txBody>
+      </p:sp>
+    </p:spTree>
+    <p:extLst>
+      <p:ext uri="{BB962C8B-B14F-4D97-AF65-F5344CB8AC3E}">
+        <p14:creationId xmlns:p14="http://schemas.microsoft.com/office/powerpoint/2010/main" val="1483349345"/>
+      </p:ext>
+    </p:extLst>
+  </p:cSld>
+  <p:clrMapOvr>
+    <a:masterClrMapping/>
+  </p:clrMapOvr>
+</p:sld>
+</file>
+
+<file path=ppt/slides/slide7.xml><?xml version="1.0" encoding="utf-8"?>
+<p:sld xmlns:a="http://schemas.openxmlformats.org/drawingml/2006/main" xmlns:r="http://schemas.openxmlformats.org/officeDocument/2006/relationships" xmlns:p="http://schemas.openxmlformats.org/presentationml/2006/main">
+  <p:cSld>
+    <p:spTree>
+      <p:nvGrpSpPr>
+        <p:cNvPr id="1" name=""/>
+        <p:cNvGrpSpPr/>
+        <p:nvPr/>
+      </p:nvGrpSpPr>
+      <p:grpSpPr>
+        <a:xfrm>
+          <a:off x="0" y="0"/>
+          <a:ext cx="0" cy="0"/>
+          <a:chOff x="0" y="0"/>
+          <a:chExt cx="0" cy="0"/>
+        </a:xfrm>
+      </p:grpSpPr>
+      <p:sp>
+        <p:nvSpPr>
+          <p:cNvPr id="2" name="Заголовок 1"/>
+          <p:cNvSpPr>
+            <a:spLocks noGrp="1"/>
+          </p:cNvSpPr>
+          <p:nvPr>
+            <p:ph type="ctrTitle"/>
+          </p:nvPr>
+        </p:nvSpPr>
+        <p:spPr>
+          <a:xfrm>
+            <a:off x="914400" y="836712"/>
+            <a:ext cx="7772400" cy="1543056"/>
+          </a:xfrm>
+        </p:spPr>
+        <p:txBody>
+          <a:bodyPr/>
+          <a:lstStyle/>
+          <a:p>
+            <a:pPr algn="ctr"/>
+            <a:r>
+              <a:rPr lang="ru-RU" sz="5400" dirty="0" smtClean="0"/>
+              <a:t>Редактор карт</a:t>
+            </a:r>
+            <a:endParaRPr lang="ru-RU" sz="5400" dirty="0"/>
+          </a:p>
+        </p:txBody>
+      </p:sp>
+      <p:sp>
+        <p:nvSpPr>
+          <p:cNvPr id="3" name="Подзаголовок 2"/>
+          <p:cNvSpPr>
+            <a:spLocks noGrp="1"/>
+          </p:cNvSpPr>
+          <p:nvPr>
+            <p:ph type="subTitle" idx="1"/>
+          </p:nvPr>
+        </p:nvSpPr>
+        <p:spPr>
+          <a:xfrm>
+            <a:off x="914400" y="2834640"/>
+            <a:ext cx="7772400" cy="2178536"/>
+          </a:xfrm>
+        </p:spPr>
+        <p:txBody>
+          <a:bodyPr>
+            <a:noAutofit/>
+          </a:bodyPr>
+          <a:lstStyle/>
+          <a:p>
+            <a:r>
+              <a:rPr lang="ru-RU" sz="2800" dirty="0" smtClean="0"/>
+              <a:t>«ЛКМ» - поставить стену</a:t>
+            </a:r>
+          </a:p>
+          <a:p>
+            <a:r>
+              <a:rPr lang="ru-RU" sz="2800" dirty="0" smtClean="0"/>
+              <a:t>«СКМ» - точка появления(1 нажатие – синий</a:t>
+            </a:r>
+            <a:r>
+              <a:rPr lang="en-US" sz="2800" dirty="0" smtClean="0"/>
+              <a:t>, 2 – </a:t>
+            </a:r>
+            <a:r>
+              <a:rPr lang="ru-RU" sz="2800" dirty="0" smtClean="0"/>
+              <a:t>красный)</a:t>
+            </a:r>
+          </a:p>
+          <a:p>
+            <a:r>
+              <a:rPr lang="ru-RU" sz="2800" dirty="0" smtClean="0"/>
+              <a:t>«ПКМ» - убрать стену или точку появление</a:t>
+            </a:r>
+          </a:p>
+          <a:p>
+            <a:r>
+              <a:rPr lang="ru-RU" sz="2800" dirty="0" smtClean="0"/>
+              <a:t>«</a:t>
+            </a:r>
+            <a:r>
+              <a:rPr lang="en-US" sz="2800" dirty="0" smtClean="0"/>
+              <a:t>Space</a:t>
+            </a:r>
+            <a:r>
+              <a:rPr lang="ru-RU" sz="2800" dirty="0" smtClean="0"/>
+              <a:t>»</a:t>
+            </a:r>
+            <a:r>
+              <a:rPr lang="ru-RU" sz="2800" dirty="0"/>
+              <a:t> </a:t>
+            </a:r>
+            <a:r>
+              <a:rPr lang="ru-RU" sz="2800" dirty="0" smtClean="0"/>
+              <a:t>- сохранить карту</a:t>
+            </a:r>
+            <a:endParaRPr lang="ru-RU" sz="2800" dirty="0"/>
+          </a:p>
+        </p:txBody>
+      </p:sp>
+    </p:spTree>
+    <p:extLst>
+      <p:ext uri="{BB962C8B-B14F-4D97-AF65-F5344CB8AC3E}">
+        <p14:creationId xmlns:p14="http://schemas.microsoft.com/office/powerpoint/2010/main" val="3898650817"/>
+      </p:ext>
+    </p:extLst>
+  </p:cSld>
+  <p:clrMapOvr>
+    <a:masterClrMapping/>
+  </p:clrMapOvr>
+</p:sld>
+</file>
+
+<file path=ppt/slides/slide8.xml><?xml version="1.0" encoding="utf-8"?>
+<p:sld xmlns:a="http://schemas.openxmlformats.org/drawingml/2006/main" xmlns:r="http://schemas.openxmlformats.org/officeDocument/2006/relationships" xmlns:p="http://schemas.openxmlformats.org/presentationml/2006/main">
+  <p:cSld>
+    <p:spTree>
+      <p:nvGrpSpPr>
+        <p:cNvPr id="1" name=""/>
+        <p:cNvGrpSpPr/>
+        <p:nvPr/>
+      </p:nvGrpSpPr>
+      <p:grpSpPr>
+        <a:xfrm>
+          <a:off x="0" y="0"/>
+          <a:ext cx="0" cy="0"/>
+          <a:chOff x="0" y="0"/>
+          <a:chExt cx="0" cy="0"/>
+        </a:xfrm>
+      </p:grpSpPr>
+      <p:sp>
+        <p:nvSpPr>
+          <p:cNvPr id="2" name="Заголовок 1"/>
+          <p:cNvSpPr>
+            <a:spLocks noGrp="1"/>
+          </p:cNvSpPr>
+          <p:nvPr>
             <p:ph type="title"/>
           </p:nvPr>
         </p:nvSpPr>
@@ -7245,7 +7446,7 @@
 </p:sld>
 </file>
 
-<file path=ppt/slides/slide7.xml><?xml version="1.0" encoding="utf-8"?>
+<file path=ppt/slides/slide9.xml><?xml version="1.0" encoding="utf-8"?>
 <p:sld xmlns:a="http://schemas.openxmlformats.org/drawingml/2006/main" xmlns:r="http://schemas.openxmlformats.org/officeDocument/2006/relationships" xmlns:p="http://schemas.openxmlformats.org/presentationml/2006/main">
   <p:cSld>
     <p:spTree>

--- a/О проекте/PanzerStorm.pptx
+++ b/О проекте/PanzerStorm.pptx
@@ -6907,29 +6907,29 @@
           <a:lstStyle/>
           <a:p>
             <a:r>
-              <a:rPr lang="ru-RU" sz="3200" dirty="0" smtClean="0"/>
+              <a:rPr lang="ru-RU" dirty="0" smtClean="0"/>
               <a:t>Использовались</a:t>
             </a:r>
             <a:r>
-              <a:rPr lang="en-US" sz="3200" dirty="0" smtClean="0"/>
+              <a:rPr lang="en-US" dirty="0" smtClean="0"/>
               <a:t>:</a:t>
             </a:r>
             <a:br>
-              <a:rPr lang="en-US" sz="3200" dirty="0" smtClean="0"/>
+              <a:rPr lang="en-US" dirty="0" smtClean="0"/>
             </a:br>
             <a:r>
-              <a:rPr lang="en-US" sz="3200" dirty="0" err="1" smtClean="0"/>
+              <a:rPr lang="en-US" dirty="0" err="1" smtClean="0"/>
               <a:t>PyCharm</a:t>
             </a:r>
             <a:r>
-              <a:rPr lang="en-US" sz="3200" dirty="0" smtClean="0"/>
+              <a:rPr lang="en-US" dirty="0" smtClean="0"/>
               <a:t/>
             </a:r>
             <a:br>
-              <a:rPr lang="en-US" sz="3200" dirty="0" smtClean="0"/>
+              <a:rPr lang="en-US" dirty="0" smtClean="0"/>
             </a:br>
             <a:r>
-              <a:rPr lang="en-US" sz="3200" dirty="0" smtClean="0"/>
+              <a:rPr lang="en-US" dirty="0" smtClean="0"/>
               <a:t>Python 3</a:t>
             </a:r>
             <a:r>
@@ -6968,42 +6968,41 @@
               <a:rPr lang="en-US" sz="2800" dirty="0" smtClean="0"/>
             </a:br>
             <a:r>
-              <a:rPr lang="en-US" sz="2800" dirty="0" smtClean="0"/>
-              <a:t/>
-            </a:r>
-            <a:br>
-              <a:rPr lang="en-US" sz="2800" dirty="0" smtClean="0"/>
-            </a:br>
-            <a:r>
-              <a:rPr lang="ru-RU" sz="2800" dirty="0" smtClean="0"/>
+              <a:rPr lang="ru-RU" sz="3200" dirty="0" smtClean="0"/>
               <a:t>И библиотеки</a:t>
             </a:r>
             <a:r>
-              <a:rPr lang="en-US" sz="2800" dirty="0" smtClean="0"/>
+              <a:rPr lang="en-US" sz="3200" dirty="0" smtClean="0"/>
               <a:t>:</a:t>
             </a:r>
-            <a:endParaRPr lang="ru-RU" sz="2800" dirty="0"/>
+            <a:endParaRPr lang="ru-RU" sz="3200" dirty="0"/>
           </a:p>
         </p:txBody>
       </p:sp>
       <p:pic>
         <p:nvPicPr>
-          <p:cNvPr id="3" name="Рисунок 2" descr="Импорты.PNG"/>
+          <p:cNvPr id="4" name="Рисунок 3"/>
           <p:cNvPicPr>
             <a:picLocks noChangeAspect="1"/>
           </p:cNvPicPr>
           <p:nvPr/>
         </p:nvPicPr>
         <p:blipFill>
-          <a:blip r:embed="rId2" cstate="print"/>
+          <a:blip r:embed="rId2">
+            <a:extLst>
+              <a:ext uri="{28A0092B-C50C-407E-A947-70E740481C1C}">
+                <a14:useLocalDpi xmlns:a14="http://schemas.microsoft.com/office/drawing/2010/main" val="0"/>
+              </a:ext>
+            </a:extLst>
+          </a:blip>
           <a:stretch>
             <a:fillRect/>
           </a:stretch>
         </p:blipFill>
         <p:spPr>
           <a:xfrm>
-            <a:off x="1187624" y="4797152"/>
-            <a:ext cx="2072663" cy="1080120"/>
+            <a:off x="914400" y="4725144"/>
+            <a:ext cx="3888432" cy="1765925"/>
           </a:xfrm>
           <a:prstGeom prst="rect">
             <a:avLst/>

--- a/О проекте/PanzerStorm.pptx
+++ b/О проекте/PanzerStorm.pptx
@@ -6439,8 +6439,13 @@
             </a:r>
             <a:r>
               <a:rPr lang="ru-RU" sz="4400" dirty="0" smtClean="0"/>
-              <a:t>Танки видом сверху</a:t>
-            </a:r>
+              <a:t>Танки видом </a:t>
+            </a:r>
+            <a:r>
+              <a:rPr lang="ru-RU" sz="4400" dirty="0" smtClean="0"/>
+              <a:t>сверху против друг друга</a:t>
+            </a:r>
+            <a:endParaRPr lang="ru-RU" sz="4400" dirty="0" smtClean="0"/>
           </a:p>
         </p:txBody>
       </p:sp>
